--- a/CAPSTONE_PROJECT/presentation/Final-capstone-story-template.pptx
+++ b/CAPSTONE_PROJECT/presentation/Final-capstone-story-template.pptx
@@ -6511,8 +6511,8 @@
         </p:nvSpPr>
         <p:spPr>
           <a:xfrm>
-            <a:off x="4285075" y="3142210"/>
-            <a:ext cx="7068725" cy="2569239"/>
+            <a:off x="4443571" y="3008098"/>
+            <a:ext cx="11271917" cy="2569239"/>
           </a:xfrm>
         </p:spPr>
         <p:txBody>
@@ -6521,13 +6521,16 @@
           </a:bodyPr>
           <a:lstStyle/>
           <a:p>
-            <a:pPr marL="0" indent="0">
+            <a:pPr marL="0" indent="0" algn="just">
               <a:buNone/>
             </a:pPr>
             <a:r>
-              <a:rPr lang="en-US" sz="2200" dirty="0"/>
-              <a:t>&lt;The GitHub link of the Cognos dashboard goes here.&gt;</a:t>
-            </a:r>
+              <a:rPr lang="en-US" sz="2200" i="1" dirty="0">
+                <a:hlinkClick r:id="rId2"/>
+              </a:rPr>
+              <a:t>LINK TO GITHUB DASHBOARDS</a:t>
+            </a:r>
+            <a:endParaRPr lang="en-US" sz="2200" i="1" dirty="0"/>
           </a:p>
         </p:txBody>
       </p:sp>
@@ -6546,7 +6549,7 @@
           <p:nvPr/>
         </p:nvPicPr>
         <p:blipFill>
-          <a:blip r:embed="rId2"/>
+          <a:blip r:embed="rId3"/>
           <a:stretch>
             <a:fillRect/>
           </a:stretch>
@@ -6621,7 +6624,7 @@
           <a:p>
             <a:r>
               <a:rPr lang="en-US" dirty="0"/>
-              <a:t>DASHBOARD TAB 1</a:t>
+              <a:t>CURRENT TECHNOLOGY USAGE</a:t>
             </a:r>
           </a:p>
         </p:txBody>
@@ -6663,17 +6666,38 @@
             </a:pPr>
             <a:endParaRPr lang="en-US" dirty="0"/>
           </a:p>
-          <a:p>
-            <a:pPr marL="0" indent="0">
-              <a:buNone/>
-            </a:pPr>
-            <a:r>
-              <a:rPr lang="en-US" dirty="0"/>
-              <a:t>Screenshot of dashboard tab 1 goes here</a:t>
-            </a:r>
-          </a:p>
         </p:txBody>
       </p:sp>
+      <p:pic>
+        <p:nvPicPr>
+          <p:cNvPr id="4" name="Picture 3">
+            <a:extLst>
+              <a:ext uri="{FF2B5EF4-FFF2-40B4-BE49-F238E27FC236}">
+                <a16:creationId xmlns:a16="http://schemas.microsoft.com/office/drawing/2014/main" id="{54E482A8-6628-6209-1871-4867733BE5B8}"/>
+              </a:ext>
+            </a:extLst>
+          </p:cNvPr>
+          <p:cNvPicPr>
+            <a:picLocks noChangeAspect="1"/>
+          </p:cNvPicPr>
+          <p:nvPr/>
+        </p:nvPicPr>
+        <p:blipFill>
+          <a:blip r:embed="rId2"/>
+          <a:stretch>
+            <a:fillRect/>
+          </a:stretch>
+        </p:blipFill>
+        <p:spPr>
+          <a:xfrm>
+            <a:off x="1116746" y="1365504"/>
+            <a:ext cx="9782902" cy="4784128"/>
+          </a:xfrm>
+          <a:prstGeom prst="rect">
+            <a:avLst/>
+          </a:prstGeom>
+        </p:spPr>
+      </p:pic>
     </p:spTree>
     <p:extLst>
       <p:ext uri="{BB962C8B-B14F-4D97-AF65-F5344CB8AC3E}">
@@ -6734,7 +6758,7 @@
           <a:p>
             <a:r>
               <a:rPr lang="en-US" dirty="0"/>
-              <a:t>DASHBOARD TAB 2</a:t>
+              <a:t>FUTURE TECHNOLOGY TREND</a:t>
             </a:r>
           </a:p>
         </p:txBody>
@@ -6776,17 +6800,38 @@
             </a:pPr>
             <a:endParaRPr lang="en-US" dirty="0"/>
           </a:p>
-          <a:p>
-            <a:pPr marL="0" indent="0">
-              <a:buNone/>
-            </a:pPr>
-            <a:r>
-              <a:rPr lang="en-US" dirty="0"/>
-              <a:t>Screenshot of dashboard tab 2 goes here</a:t>
-            </a:r>
-          </a:p>
         </p:txBody>
       </p:sp>
+      <p:pic>
+        <p:nvPicPr>
+          <p:cNvPr id="4" name="Picture 3">
+            <a:extLst>
+              <a:ext uri="{FF2B5EF4-FFF2-40B4-BE49-F238E27FC236}">
+                <a16:creationId xmlns:a16="http://schemas.microsoft.com/office/drawing/2014/main" id="{8BD92715-2D1B-3870-BA40-2D0A2BDACA8C}"/>
+              </a:ext>
+            </a:extLst>
+          </p:cNvPr>
+          <p:cNvPicPr>
+            <a:picLocks noChangeAspect="1"/>
+          </p:cNvPicPr>
+          <p:nvPr/>
+        </p:nvPicPr>
+        <p:blipFill>
+          <a:blip r:embed="rId2"/>
+          <a:stretch>
+            <a:fillRect/>
+          </a:stretch>
+        </p:blipFill>
+        <p:spPr>
+          <a:xfrm>
+            <a:off x="913677" y="1353312"/>
+            <a:ext cx="10364646" cy="4995508"/>
+          </a:xfrm>
+          <a:prstGeom prst="rect">
+            <a:avLst/>
+          </a:prstGeom>
+        </p:spPr>
+      </p:pic>
     </p:spTree>
     <p:extLst>
       <p:ext uri="{BB962C8B-B14F-4D97-AF65-F5344CB8AC3E}">
@@ -6847,59 +6892,40 @@
           <a:p>
             <a:r>
               <a:rPr lang="en-US" dirty="0"/>
-              <a:t>DASHBOARD TAB 3</a:t>
+              <a:t>DEMOGRAPHICS</a:t>
             </a:r>
           </a:p>
         </p:txBody>
       </p:sp>
-      <p:sp>
-        <p:nvSpPr>
-          <p:cNvPr id="8" name="Content Placeholder 2">
+      <p:pic>
+        <p:nvPicPr>
+          <p:cNvPr id="4" name="Content Placeholder 3">
             <a:extLst>
               <a:ext uri="{FF2B5EF4-FFF2-40B4-BE49-F238E27FC236}">
-                <a16:creationId xmlns:a16="http://schemas.microsoft.com/office/drawing/2014/main" id="{EFCC0E64-0E5B-4BA1-BC72-30FA1DE96F29}"/>
+                <a16:creationId xmlns:a16="http://schemas.microsoft.com/office/drawing/2014/main" id="{9E249C18-3FC0-0CA3-2804-C0841937EEB4}"/>
               </a:ext>
             </a:extLst>
           </p:cNvPr>
-          <p:cNvSpPr>
-            <a:spLocks noGrp="1"/>
-          </p:cNvSpPr>
+          <p:cNvPicPr>
+            <a:picLocks noGrp="1" noChangeAspect="1"/>
+          </p:cNvPicPr>
           <p:nvPr>
             <p:ph idx="1"/>
           </p:nvPr>
-        </p:nvSpPr>
+        </p:nvPicPr>
+        <p:blipFill>
+          <a:blip r:embed="rId2"/>
+          <a:stretch>
+            <a:fillRect/>
+          </a:stretch>
+        </p:blipFill>
         <p:spPr>
           <a:xfrm>
-            <a:off x="838200" y="1690688"/>
-            <a:ext cx="10515600" cy="4351338"/>
+            <a:off x="963168" y="1365504"/>
+            <a:ext cx="10390632" cy="4864608"/>
           </a:xfrm>
         </p:spPr>
-        <p:txBody>
-          <a:bodyPr/>
-          <a:lstStyle/>
-          <a:p>
-            <a:pPr marL="0" indent="0">
-              <a:buNone/>
-            </a:pPr>
-            <a:endParaRPr lang="en-US" dirty="0"/>
-          </a:p>
-          <a:p>
-            <a:pPr marL="0" indent="0">
-              <a:buNone/>
-            </a:pPr>
-            <a:endParaRPr lang="en-US" dirty="0"/>
-          </a:p>
-          <a:p>
-            <a:pPr marL="0" indent="0">
-              <a:buNone/>
-            </a:pPr>
-            <a:r>
-              <a:rPr lang="en-US" dirty="0"/>
-              <a:t>Screenshot of dashboard tab 3 goes here</a:t>
-            </a:r>
-          </a:p>
-        </p:txBody>
-      </p:sp>
+      </p:pic>
     </p:spTree>
     <p:extLst>
       <p:ext uri="{BB962C8B-B14F-4D97-AF65-F5344CB8AC3E}">
@@ -6998,36 +7024,6 @@
           <a:noFill/>
         </p:spPr>
       </p:pic>
-      <p:sp>
-        <p:nvSpPr>
-          <p:cNvPr id="5" name="Content Placeholder 3">
-            <a:extLst>
-              <a:ext uri="{FF2B5EF4-FFF2-40B4-BE49-F238E27FC236}">
-                <a16:creationId xmlns:a16="http://schemas.microsoft.com/office/drawing/2014/main" id="{28684E62-A9F8-4E7A-AB01-78893062A1B4}"/>
-              </a:ext>
-            </a:extLst>
-          </p:cNvPr>
-          <p:cNvSpPr>
-            <a:spLocks noGrp="1"/>
-          </p:cNvSpPr>
-          <p:nvPr>
-            <p:ph sz="half" idx="2"/>
-          </p:nvPr>
-        </p:nvSpPr>
-        <p:spPr>
-          <a:xfrm>
-            <a:off x="6172200" y="1825625"/>
-            <a:ext cx="5181600" cy="4351338"/>
-          </a:xfrm>
-        </p:spPr>
-        <p:txBody>
-          <a:bodyPr/>
-          <a:lstStyle/>
-          <a:p>
-            <a:endParaRPr lang="en-US" dirty="0"/>
-          </a:p>
-        </p:txBody>
-      </p:sp>
     </p:spTree>
     <p:extLst>
       <p:ext uri="{BB962C8B-B14F-4D97-AF65-F5344CB8AC3E}">
@@ -7131,20 +7127,50 @@
           <a:p>
             <a:r>
               <a:rPr lang="en-US" dirty="0"/>
-              <a:t>Finding 1</a:t>
-            </a:r>
-          </a:p>
-          <a:p>
+              <a:t>JavaScript widely used and</a:t>
+            </a:r>
+          </a:p>
+          <a:p>
+            <a:pPr marL="0" indent="0">
+              <a:buNone/>
+            </a:pPr>
             <a:r>
               <a:rPr lang="en-US" dirty="0"/>
-              <a:t>Finding 2</a:t>
+              <a:t>   TypeScript getting popular.</a:t>
             </a:r>
           </a:p>
           <a:p>
             <a:r>
               <a:rPr lang="en-US" dirty="0"/>
-              <a:t>Finding 3</a:t>
-            </a:r>
+              <a:t>Over 90% young male</a:t>
+            </a:r>
+          </a:p>
+          <a:p>
+            <a:pPr marL="0" indent="0">
+              <a:buNone/>
+            </a:pPr>
+            <a:r>
+              <a:rPr lang="en-US" dirty="0"/>
+              <a:t>   developers.</a:t>
+            </a:r>
+          </a:p>
+          <a:p>
+            <a:r>
+              <a:rPr lang="en-US" dirty="0"/>
+              <a:t>Developers mostly located in</a:t>
+            </a:r>
+          </a:p>
+          <a:p>
+            <a:pPr marL="0" indent="0">
+              <a:buNone/>
+            </a:pPr>
+            <a:r>
+              <a:rPr lang="en-US" dirty="0"/>
+              <a:t>   developed countries.</a:t>
+            </a:r>
+          </a:p>
+          <a:p>
+            <a:endParaRPr lang="en-US" dirty="0"/>
           </a:p>
         </p:txBody>
       </p:sp>
@@ -7188,19 +7214,46 @@
           <a:p>
             <a:r>
               <a:rPr lang="en-US" dirty="0"/>
-              <a:t>Implication 1</a:t>
-            </a:r>
-          </a:p>
-          <a:p>
+              <a:t>JavaScript and TypeScript web</a:t>
+            </a:r>
+          </a:p>
+          <a:p>
+            <a:pPr marL="0" indent="0">
+              <a:buNone/>
+            </a:pPr>
             <a:r>
               <a:rPr lang="en-US" dirty="0"/>
-              <a:t>Implication 2</a:t>
+              <a:t>   frames gaining followers.</a:t>
             </a:r>
           </a:p>
           <a:p>
             <a:r>
               <a:rPr lang="en-US" dirty="0"/>
-              <a:t>Implication 3</a:t>
+              <a:t>Global polarization of developers</a:t>
+            </a:r>
+          </a:p>
+          <a:p>
+            <a:pPr marL="0" indent="0">
+              <a:buNone/>
+            </a:pPr>
+            <a:r>
+              <a:rPr lang="en-US" dirty="0"/>
+              <a:t>   location and gender.</a:t>
+            </a:r>
+          </a:p>
+          <a:p>
+            <a:r>
+              <a:rPr lang="en-US" dirty="0"/>
+              <a:t>Young developers without</a:t>
+            </a:r>
+          </a:p>
+          <a:p>
+            <a:pPr marL="0" indent="0">
+              <a:buNone/>
+            </a:pPr>
+            <a:r>
+              <a:rPr lang="en-US" dirty="0"/>
+              <a:t>    postgrad studies on its majority</a:t>
             </a:r>
           </a:p>
         </p:txBody>
@@ -7293,30 +7346,71 @@
           </a:xfrm>
         </p:spPr>
         <p:txBody>
-          <a:bodyPr/>
+          <a:bodyPr>
+            <a:normAutofit/>
+          </a:bodyPr>
           <a:lstStyle/>
           <a:p>
             <a:r>
               <a:rPr lang="en-US" dirty="0"/>
-              <a:t>Point 1</a:t>
-            </a:r>
-          </a:p>
-          <a:p>
+              <a:t>Developers are people with very marked</a:t>
+            </a:r>
+          </a:p>
+          <a:p>
+            <a:pPr marL="0" indent="0">
+              <a:buNone/>
+            </a:pPr>
             <a:r>
               <a:rPr lang="en-US" dirty="0"/>
-              <a:t>Point 2</a:t>
+              <a:t>   characteristics.</a:t>
             </a:r>
           </a:p>
           <a:p>
             <a:r>
               <a:rPr lang="en-US" dirty="0"/>
-              <a:t>Point 3</a:t>
-            </a:r>
-          </a:p>
-          <a:p>
+              <a:t>A good idea of popularity trends of different</a:t>
+            </a:r>
+          </a:p>
+          <a:p>
+            <a:pPr marL="0" indent="0">
+              <a:buNone/>
+            </a:pPr>
             <a:r>
               <a:rPr lang="en-US" dirty="0"/>
-              <a:t>Point 4</a:t>
+              <a:t>   tools, platforms and languages can be</a:t>
+            </a:r>
+          </a:p>
+          <a:p>
+            <a:pPr marL="0" indent="0">
+              <a:buNone/>
+            </a:pPr>
+            <a:r>
+              <a:rPr lang="en-US" dirty="0"/>
+              <a:t>   obtained.</a:t>
+            </a:r>
+          </a:p>
+          <a:p>
+            <a:r>
+              <a:rPr lang="en-US" dirty="0"/>
+              <a:t>There is a job to be done to spread</a:t>
+            </a:r>
+          </a:p>
+          <a:p>
+            <a:pPr marL="0" indent="0">
+              <a:buNone/>
+            </a:pPr>
+            <a:r>
+              <a:rPr lang="en-US" dirty="0"/>
+              <a:t>   accessibility of this labor market to</a:t>
+            </a:r>
+          </a:p>
+          <a:p>
+            <a:pPr marL="0" indent="0">
+              <a:buNone/>
+            </a:pPr>
+            <a:r>
+              <a:rPr lang="en-US" dirty="0"/>
+              <a:t>   countries in development.</a:t>
             </a:r>
           </a:p>
         </p:txBody>
@@ -7418,39 +7512,6 @@
           </a:p>
         </p:txBody>
       </p:sp>
-      <p:sp>
-        <p:nvSpPr>
-          <p:cNvPr id="5" name="Content Placeholder 3">
-            <a:extLst>
-              <a:ext uri="{FF2B5EF4-FFF2-40B4-BE49-F238E27FC236}">
-                <a16:creationId xmlns:a16="http://schemas.microsoft.com/office/drawing/2014/main" id="{28684E62-A9F8-4E7A-AB01-78893062A1B4}"/>
-              </a:ext>
-            </a:extLst>
-          </p:cNvPr>
-          <p:cNvSpPr>
-            <a:spLocks noGrp="1"/>
-          </p:cNvSpPr>
-          <p:nvPr>
-            <p:ph sz="half" idx="2"/>
-          </p:nvPr>
-        </p:nvSpPr>
-        <p:spPr>
-          <a:xfrm>
-            <a:off x="4544291" y="1825625"/>
-            <a:ext cx="6809509" cy="4351338"/>
-          </a:xfrm>
-        </p:spPr>
-        <p:txBody>
-          <a:bodyPr/>
-          <a:lstStyle/>
-          <a:p>
-            <a:r>
-              <a:rPr lang="en-US" dirty="0"/>
-              <a:t>Include any relevant additional charts, or tables that you may have created during the analysis phase.</a:t>
-            </a:r>
-          </a:p>
-        </p:txBody>
-      </p:sp>
       <p:pic>
         <p:nvPicPr>
           <p:cNvPr id="4" name="Content Placeholder 3">
@@ -7548,57 +7609,35 @@
           </a:p>
         </p:txBody>
       </p:sp>
-      <p:sp>
-        <p:nvSpPr>
-          <p:cNvPr id="3" name="Content Placeholder 2">
+      <p:pic>
+        <p:nvPicPr>
+          <p:cNvPr id="5" name="Content Placeholder 4">
             <a:extLst>
               <a:ext uri="{FF2B5EF4-FFF2-40B4-BE49-F238E27FC236}">
-                <a16:creationId xmlns:a16="http://schemas.microsoft.com/office/drawing/2014/main" id="{902FD5C4-FE5F-46D2-ABC9-49FA4BB8442F}"/>
+                <a16:creationId xmlns:a16="http://schemas.microsoft.com/office/drawing/2014/main" id="{817E659B-9B27-8575-CF97-56292C997B82}"/>
               </a:ext>
             </a:extLst>
           </p:cNvPr>
-          <p:cNvSpPr>
-            <a:spLocks noGrp="1"/>
-          </p:cNvSpPr>
+          <p:cNvPicPr>
+            <a:picLocks noGrp="1" noChangeAspect="1"/>
+          </p:cNvPicPr>
           <p:nvPr>
             <p:ph sz="half" idx="2"/>
           </p:nvPr>
-        </p:nvSpPr>
+        </p:nvPicPr>
+        <p:blipFill>
+          <a:blip r:embed="rId2"/>
+          <a:stretch>
+            <a:fillRect/>
+          </a:stretch>
+        </p:blipFill>
         <p:spPr>
           <a:xfrm>
-            <a:off x="914400" y="2191385"/>
-            <a:ext cx="10489276" cy="2862753"/>
+            <a:off x="2133600" y="1547545"/>
+            <a:ext cx="7740803" cy="4219271"/>
           </a:xfrm>
         </p:spPr>
-        <p:txBody>
-          <a:bodyPr>
-            <a:normAutofit/>
-          </a:bodyPr>
-          <a:lstStyle/>
-          <a:p>
-            <a:pPr marL="0" indent="0">
-              <a:buNone/>
-            </a:pPr>
-            <a:r>
-              <a:rPr lang="en-US" sz="2200" dirty="0"/>
-              <a:t>In Module 1 you have collected the job posting data using Job API in a file named “</a:t>
-            </a:r>
-            <a:r>
-              <a:rPr lang="en-IN" sz="2400" dirty="0"/>
-              <a:t>job-postings.xlsx</a:t>
-            </a:r>
-            <a:r>
-              <a:rPr lang="en-US" sz="2200" dirty="0"/>
-              <a:t>”. Present that data using a bar chart here. Order the bar chart in the descending order of the number of job </a:t>
-            </a:r>
-            <a:r>
-              <a:rPr lang="en-US" sz="2200"/>
-              <a:t>postings.</a:t>
-            </a:r>
-            <a:endParaRPr lang="en-US" sz="2200" dirty="0"/>
-          </a:p>
-        </p:txBody>
-      </p:sp>
+      </p:pic>
     </p:spTree>
     <p:extLst>
       <p:ext uri="{BB962C8B-B14F-4D97-AF65-F5344CB8AC3E}">
@@ -8361,56 +8400,35 @@
           </a:p>
         </p:txBody>
       </p:sp>
-      <p:sp>
-        <p:nvSpPr>
-          <p:cNvPr id="3" name="Content Placeholder 2">
+      <p:pic>
+        <p:nvPicPr>
+          <p:cNvPr id="5" name="Content Placeholder 4">
             <a:extLst>
               <a:ext uri="{FF2B5EF4-FFF2-40B4-BE49-F238E27FC236}">
-                <a16:creationId xmlns:a16="http://schemas.microsoft.com/office/drawing/2014/main" id="{902FD5C4-FE5F-46D2-ABC9-49FA4BB8442F}"/>
+                <a16:creationId xmlns:a16="http://schemas.microsoft.com/office/drawing/2014/main" id="{B79E4C90-E366-3A00-1DF0-96ED512B8228}"/>
               </a:ext>
             </a:extLst>
           </p:cNvPr>
-          <p:cNvSpPr>
-            <a:spLocks noGrp="1"/>
-          </p:cNvSpPr>
+          <p:cNvPicPr>
+            <a:picLocks noGrp="1" noChangeAspect="1"/>
+          </p:cNvPicPr>
           <p:nvPr>
             <p:ph sz="half" idx="2"/>
           </p:nvPr>
-        </p:nvSpPr>
+        </p:nvPicPr>
+        <p:blipFill>
+          <a:blip r:embed="rId2"/>
+          <a:stretch>
+            <a:fillRect/>
+          </a:stretch>
+        </p:blipFill>
         <p:spPr>
           <a:xfrm>
-            <a:off x="878305" y="2191385"/>
-            <a:ext cx="10525371" cy="2862753"/>
+            <a:off x="1865376" y="1626318"/>
+            <a:ext cx="8461248" cy="4345443"/>
           </a:xfrm>
         </p:spPr>
-        <p:txBody>
-          <a:bodyPr>
-            <a:normAutofit/>
-          </a:bodyPr>
-          <a:lstStyle/>
-          <a:p>
-            <a:pPr marL="0" indent="0">
-              <a:buNone/>
-            </a:pPr>
-            <a:r>
-              <a:rPr lang="en-US" sz="2200" dirty="0"/>
-              <a:t>In Module 1 you have collected the job postings data using web scraping in a file named “</a:t>
-            </a:r>
-            <a:r>
-              <a:rPr lang="en-IN" sz="2400" dirty="0"/>
-              <a:t>popular-</a:t>
-            </a:r>
-            <a:r>
-              <a:rPr lang="en-IN" sz="2400" dirty="0" err="1"/>
-              <a:t>languages.csv</a:t>
-            </a:r>
-            <a:r>
-              <a:rPr lang="en-US" sz="2200" dirty="0"/>
-              <a:t>”. Present that data using a bar chart here. Order the bar chart in the descending order of salary.</a:t>
-            </a:r>
-          </a:p>
-        </p:txBody>
-      </p:sp>
+      </p:pic>
     </p:spTree>
     <p:extLst>
       <p:ext uri="{BB962C8B-B14F-4D97-AF65-F5344CB8AC3E}">
@@ -11476,18 +11494,18 @@
 </file>
 
 <file path=customXml/item2.xml><?xml version="1.0" encoding="utf-8"?>
-<p:properties xmlns:p="http://schemas.microsoft.com/office/2006/metadata/properties" xmlns:xsi="http://www.w3.org/2001/XMLSchema-instance" xmlns:pc="http://schemas.microsoft.com/office/infopath/2007/PartnerControls">
-  <documentManagement/>
-</p:properties>
-</file>
-
-<file path=customXml/item3.xml><?xml version="1.0" encoding="utf-8"?>
 <?mso-contentType ?>
 <FormTemplates xmlns="http://schemas.microsoft.com/sharepoint/v3/contenttype/forms">
   <Display>DocumentLibraryForm</Display>
   <Edit>DocumentLibraryForm</Edit>
   <New>DocumentLibraryForm</New>
 </FormTemplates>
+</file>
+
+<file path=customXml/item3.xml><?xml version="1.0" encoding="utf-8"?>
+<p:properties xmlns:p="http://schemas.microsoft.com/office/2006/metadata/properties" xmlns:xsi="http://www.w3.org/2001/XMLSchema-instance" xmlns:pc="http://schemas.microsoft.com/office/infopath/2007/PartnerControls">
+  <documentManagement/>
+</p:properties>
 </file>
 
 <file path=customXml/itemProps1.xml><?xml version="1.0" encoding="utf-8"?>
@@ -11510,18 +11528,26 @@
 </file>
 
 <file path=customXml/itemProps2.xml><?xml version="1.0" encoding="utf-8"?>
-<ds:datastoreItem xmlns:ds="http://schemas.openxmlformats.org/officeDocument/2006/customXml" ds:itemID="{54DA07C5-A406-4A0D-B3E6-3856C94AC7F3}">
+<ds:datastoreItem xmlns:ds="http://schemas.openxmlformats.org/officeDocument/2006/customXml" ds:itemID="{7EFDA260-DDA0-422C-B7AE-778F653FBB36}">
   <ds:schemaRefs>
-    <ds:schemaRef ds:uri="http://schemas.microsoft.com/office/2006/metadata/properties"/>
-    <ds:schemaRef ds:uri="http://schemas.microsoft.com/office/infopath/2007/PartnerControls"/>
+    <ds:schemaRef ds:uri="http://schemas.microsoft.com/sharepoint/v3/contenttype/forms"/>
   </ds:schemaRefs>
 </ds:datastoreItem>
 </file>
 
 <file path=customXml/itemProps3.xml><?xml version="1.0" encoding="utf-8"?>
-<ds:datastoreItem xmlns:ds="http://schemas.openxmlformats.org/officeDocument/2006/customXml" ds:itemID="{7EFDA260-DDA0-422C-B7AE-778F653FBB36}">
+<ds:datastoreItem xmlns:ds="http://schemas.openxmlformats.org/officeDocument/2006/customXml" ds:itemID="{54DA07C5-A406-4A0D-B3E6-3856C94AC7F3}">
   <ds:schemaRefs>
-    <ds:schemaRef ds:uri="http://schemas.microsoft.com/sharepoint/v3/contenttype/forms"/>
+    <ds:schemaRef ds:uri="http://www.w3.org/XML/1998/namespace"/>
+    <ds:schemaRef ds:uri="f80a141d-92ca-4d3d-9308-f7e7b1d44ce8"/>
+    <ds:schemaRef ds:uri="http://schemas.microsoft.com/office/2006/documentManagement/types"/>
+    <ds:schemaRef ds:uri="http://purl.org/dc/terms/"/>
+    <ds:schemaRef ds:uri="http://purl.org/dc/elements/1.1/"/>
+    <ds:schemaRef ds:uri="http://purl.org/dc/dcmitype/"/>
+    <ds:schemaRef ds:uri="http://schemas.microsoft.com/office/2006/metadata/properties"/>
+    <ds:schemaRef ds:uri="http://schemas.microsoft.com/office/infopath/2007/PartnerControls"/>
+    <ds:schemaRef ds:uri="http://schemas.openxmlformats.org/package/2006/metadata/core-properties"/>
+    <ds:schemaRef ds:uri="155be751-a274-42e8-93fb-f39d3b9bccc8"/>
   </ds:schemaRefs>
 </ds:datastoreItem>
 </file>